--- a/report/report images/Schemas.pptx
+++ b/report/report images/Schemas.pptx
@@ -201,7 +201,7 @@
           <a:p>
             <a:fld id="{A3EA65D0-F77C-494A-8AC8-0BC933F42509}" type="datetimeFigureOut">
               <a:rPr lang="en-US" smtClean="0"/>
-              <a:t>7/3/18</a:t>
+              <a:t>7/16/18</a:t>
             </a:fld>
             <a:endParaRPr lang="en-US"/>
           </a:p>
@@ -701,7 +701,7 @@
           <a:p>
             <a:fld id="{B3C9269B-31C4-C343-A093-26C04AA867C6}" type="datetimeFigureOut">
               <a:rPr lang="fr-FR" smtClean="0"/>
-              <a:t>03/07/2018</a:t>
+              <a:t>16/07/2018</a:t>
             </a:fld>
             <a:endParaRPr lang="fr-FR"/>
           </a:p>
@@ -901,7 +901,7 @@
           <a:p>
             <a:fld id="{B3C9269B-31C4-C343-A093-26C04AA867C6}" type="datetimeFigureOut">
               <a:rPr lang="fr-FR" smtClean="0"/>
-              <a:t>03/07/2018</a:t>
+              <a:t>16/07/2018</a:t>
             </a:fld>
             <a:endParaRPr lang="fr-FR"/>
           </a:p>
@@ -1111,7 +1111,7 @@
           <a:p>
             <a:fld id="{B3C9269B-31C4-C343-A093-26C04AA867C6}" type="datetimeFigureOut">
               <a:rPr lang="fr-FR" smtClean="0"/>
-              <a:t>03/07/2018</a:t>
+              <a:t>16/07/2018</a:t>
             </a:fld>
             <a:endParaRPr lang="fr-FR"/>
           </a:p>
@@ -1311,7 +1311,7 @@
           <a:p>
             <a:fld id="{B3C9269B-31C4-C343-A093-26C04AA867C6}" type="datetimeFigureOut">
               <a:rPr lang="fr-FR" smtClean="0"/>
-              <a:t>03/07/2018</a:t>
+              <a:t>16/07/2018</a:t>
             </a:fld>
             <a:endParaRPr lang="fr-FR"/>
           </a:p>
@@ -1587,7 +1587,7 @@
           <a:p>
             <a:fld id="{B3C9269B-31C4-C343-A093-26C04AA867C6}" type="datetimeFigureOut">
               <a:rPr lang="fr-FR" smtClean="0"/>
-              <a:t>03/07/2018</a:t>
+              <a:t>16/07/2018</a:t>
             </a:fld>
             <a:endParaRPr lang="fr-FR"/>
           </a:p>
@@ -1855,7 +1855,7 @@
           <a:p>
             <a:fld id="{B3C9269B-31C4-C343-A093-26C04AA867C6}" type="datetimeFigureOut">
               <a:rPr lang="fr-FR" smtClean="0"/>
-              <a:t>03/07/2018</a:t>
+              <a:t>16/07/2018</a:t>
             </a:fld>
             <a:endParaRPr lang="fr-FR"/>
           </a:p>
@@ -2270,7 +2270,7 @@
           <a:p>
             <a:fld id="{B3C9269B-31C4-C343-A093-26C04AA867C6}" type="datetimeFigureOut">
               <a:rPr lang="fr-FR" smtClean="0"/>
-              <a:t>03/07/2018</a:t>
+              <a:t>16/07/2018</a:t>
             </a:fld>
             <a:endParaRPr lang="fr-FR"/>
           </a:p>
@@ -2412,7 +2412,7 @@
           <a:p>
             <a:fld id="{B3C9269B-31C4-C343-A093-26C04AA867C6}" type="datetimeFigureOut">
               <a:rPr lang="fr-FR" smtClean="0"/>
-              <a:t>03/07/2018</a:t>
+              <a:t>16/07/2018</a:t>
             </a:fld>
             <a:endParaRPr lang="fr-FR"/>
           </a:p>
@@ -2525,7 +2525,7 @@
           <a:p>
             <a:fld id="{B3C9269B-31C4-C343-A093-26C04AA867C6}" type="datetimeFigureOut">
               <a:rPr lang="fr-FR" smtClean="0"/>
-              <a:t>03/07/2018</a:t>
+              <a:t>16/07/2018</a:t>
             </a:fld>
             <a:endParaRPr lang="fr-FR"/>
           </a:p>
@@ -2838,7 +2838,7 @@
           <a:p>
             <a:fld id="{B3C9269B-31C4-C343-A093-26C04AA867C6}" type="datetimeFigureOut">
               <a:rPr lang="fr-FR" smtClean="0"/>
-              <a:t>03/07/2018</a:t>
+              <a:t>16/07/2018</a:t>
             </a:fld>
             <a:endParaRPr lang="fr-FR"/>
           </a:p>
@@ -3127,7 +3127,7 @@
           <a:p>
             <a:fld id="{B3C9269B-31C4-C343-A093-26C04AA867C6}" type="datetimeFigureOut">
               <a:rPr lang="fr-FR" smtClean="0"/>
-              <a:t>03/07/2018</a:t>
+              <a:t>16/07/2018</a:t>
             </a:fld>
             <a:endParaRPr lang="fr-FR"/>
           </a:p>
@@ -3370,7 +3370,7 @@
           <a:p>
             <a:fld id="{B3C9269B-31C4-C343-A093-26C04AA867C6}" type="datetimeFigureOut">
               <a:rPr lang="fr-FR" smtClean="0"/>
-              <a:t>03/07/2018</a:t>
+              <a:t>16/07/2018</a:t>
             </a:fld>
             <a:endParaRPr lang="fr-FR"/>
           </a:p>
@@ -3947,9 +3947,9 @@
           <p:grpSpPr>
             <a:xfrm>
               <a:off x="427639" y="2318451"/>
-              <a:ext cx="1584251" cy="1373472"/>
+              <a:ext cx="1584251" cy="1158029"/>
               <a:chOff x="427639" y="2318451"/>
-              <a:chExt cx="1584251" cy="1373472"/>
+              <a:chExt cx="1584251" cy="1158029"/>
             </a:xfrm>
           </p:grpSpPr>
           <p:sp>
@@ -4013,7 +4013,7 @@
             <p:spPr>
               <a:xfrm>
                 <a:off x="427639" y="2737816"/>
-                <a:ext cx="1584251" cy="954107"/>
+                <a:ext cx="1584251" cy="738664"/>
               </a:xfrm>
               <a:prstGeom prst="rect">
                 <a:avLst/>
@@ -4040,7 +4040,7 @@
                 <a:pPr algn="ctr"/>
                 <a:r>
                   <a:rPr lang="en-US" sz="1400" dirty="0"/>
-                  <a:t>(connection to the rest of the network)</a:t>
+                  <a:t>(connection UPC internet backbone)</a:t>
                 </a:r>
               </a:p>
             </p:txBody>
@@ -4061,9 +4061,9 @@
           <p:grpSpPr>
             <a:xfrm>
               <a:off x="2046912" y="2344740"/>
-              <a:ext cx="1584251" cy="1131740"/>
+              <a:ext cx="1584251" cy="1347183"/>
               <a:chOff x="2046912" y="2344740"/>
-              <a:chExt cx="1584251" cy="1131740"/>
+              <a:chExt cx="1584251" cy="1347183"/>
             </a:xfrm>
           </p:grpSpPr>
           <p:grpSp>
@@ -4197,7 +4197,7 @@
             <p:spPr>
               <a:xfrm>
                 <a:off x="2046912" y="2737816"/>
-                <a:ext cx="1584251" cy="738664"/>
+                <a:ext cx="1584251" cy="954107"/>
               </a:xfrm>
               <a:prstGeom prst="rect">
                 <a:avLst/>
@@ -4220,7 +4220,7 @@
                 <a:pPr algn="ctr"/>
                 <a:r>
                   <a:rPr lang="en-US" sz="1400" dirty="0"/>
-                  <a:t>(Responsible for a region)</a:t>
+                  <a:t>(Responsible for a region and DTV pump)</a:t>
                 </a:r>
               </a:p>
             </p:txBody>
@@ -4421,9 +4421,9 @@
           <p:grpSpPr>
             <a:xfrm>
               <a:off x="5423826" y="2318451"/>
-              <a:ext cx="1584251" cy="1158029"/>
+              <a:ext cx="1584251" cy="1373472"/>
               <a:chOff x="5423826" y="2318451"/>
-              <a:chExt cx="1584251" cy="1158029"/>
+              <a:chExt cx="1584251" cy="1373472"/>
             </a:xfrm>
           </p:grpSpPr>
           <p:sp>
@@ -4487,7 +4487,7 @@
             <p:spPr>
               <a:xfrm>
                 <a:off x="5423826" y="2737816"/>
-                <a:ext cx="1584251" cy="738664"/>
+                <a:ext cx="1584251" cy="954107"/>
               </a:xfrm>
               <a:prstGeom prst="rect">
                 <a:avLst/>
@@ -4514,7 +4514,7 @@
                 <a:pPr algn="ctr"/>
                 <a:r>
                   <a:rPr lang="en-US" sz="1400" dirty="0"/>
-                  <a:t>O/E – optical to electrical</a:t>
+                  <a:t>O/E  (optical to electrical convertor)</a:t>
                 </a:r>
               </a:p>
             </p:txBody>
@@ -4861,9 +4861,9 @@
           <p:grpSpPr>
             <a:xfrm>
               <a:off x="10458040" y="2315873"/>
-              <a:ext cx="1584251" cy="1160607"/>
+              <a:ext cx="1584251" cy="1376050"/>
               <a:chOff x="10458040" y="2315873"/>
-              <a:chExt cx="1584251" cy="1160607"/>
+              <a:chExt cx="1584251" cy="1376050"/>
             </a:xfrm>
           </p:grpSpPr>
           <p:sp>
@@ -4927,7 +4927,7 @@
             <p:spPr>
               <a:xfrm>
                 <a:off x="10458040" y="2737816"/>
-                <a:ext cx="1584251" cy="738664"/>
+                <a:ext cx="1584251" cy="954107"/>
               </a:xfrm>
               <a:prstGeom prst="rect">
                 <a:avLst/>
@@ -4954,7 +4954,7 @@
                 <a:pPr algn="ctr"/>
                 <a:r>
                   <a:rPr lang="en-US" sz="1400" dirty="0"/>
-                  <a:t>Customer Premises Equipment</a:t>
+                  <a:t>(Customer Premises Equipment)</a:t>
                 </a:r>
               </a:p>
             </p:txBody>
